--- a/writing/figures/Phylosift_Kangaroo.pptx
+++ b/writing/figures/Phylosift_Kangaroo.pptx
@@ -294,7 +294,7 @@
           <a:p>
             <a:fld id="{1EB31AE5-1B8F-5848-93B8-66F20C8DE389}" type="datetimeFigureOut">
               <a:rPr lang="en-US" smtClean="0"/>
-              <a:t>5/3/12</a:t>
+              <a:t>5/30/12</a:t>
             </a:fld>
             <a:endParaRPr lang="en-US"/>
           </a:p>
@@ -464,7 +464,7 @@
           <a:p>
             <a:fld id="{1EB31AE5-1B8F-5848-93B8-66F20C8DE389}" type="datetimeFigureOut">
               <a:rPr lang="en-US" smtClean="0"/>
-              <a:t>5/3/12</a:t>
+              <a:t>5/30/12</a:t>
             </a:fld>
             <a:endParaRPr lang="en-US"/>
           </a:p>
@@ -644,7 +644,7 @@
           <a:p>
             <a:fld id="{1EB31AE5-1B8F-5848-93B8-66F20C8DE389}" type="datetimeFigureOut">
               <a:rPr lang="en-US" smtClean="0"/>
-              <a:t>5/3/12</a:t>
+              <a:t>5/30/12</a:t>
             </a:fld>
             <a:endParaRPr lang="en-US"/>
           </a:p>
@@ -814,7 +814,7 @@
           <a:p>
             <a:fld id="{1EB31AE5-1B8F-5848-93B8-66F20C8DE389}" type="datetimeFigureOut">
               <a:rPr lang="en-US" smtClean="0"/>
-              <a:t>5/3/12</a:t>
+              <a:t>5/30/12</a:t>
             </a:fld>
             <a:endParaRPr lang="en-US"/>
           </a:p>
@@ -1060,7 +1060,7 @@
           <a:p>
             <a:fld id="{1EB31AE5-1B8F-5848-93B8-66F20C8DE389}" type="datetimeFigureOut">
               <a:rPr lang="en-US" smtClean="0"/>
-              <a:t>5/3/12</a:t>
+              <a:t>5/30/12</a:t>
             </a:fld>
             <a:endParaRPr lang="en-US"/>
           </a:p>
@@ -1348,7 +1348,7 @@
           <a:p>
             <a:fld id="{1EB31AE5-1B8F-5848-93B8-66F20C8DE389}" type="datetimeFigureOut">
               <a:rPr lang="en-US" smtClean="0"/>
-              <a:t>5/3/12</a:t>
+              <a:t>5/30/12</a:t>
             </a:fld>
             <a:endParaRPr lang="en-US"/>
           </a:p>
@@ -1775,7 +1775,7 @@
           <a:p>
             <a:fld id="{1EB31AE5-1B8F-5848-93B8-66F20C8DE389}" type="datetimeFigureOut">
               <a:rPr lang="en-US" smtClean="0"/>
-              <a:t>5/3/12</a:t>
+              <a:t>5/30/12</a:t>
             </a:fld>
             <a:endParaRPr lang="en-US"/>
           </a:p>
@@ -1893,7 +1893,7 @@
           <a:p>
             <a:fld id="{1EB31AE5-1B8F-5848-93B8-66F20C8DE389}" type="datetimeFigureOut">
               <a:rPr lang="en-US" smtClean="0"/>
-              <a:t>5/3/12</a:t>
+              <a:t>5/30/12</a:t>
             </a:fld>
             <a:endParaRPr lang="en-US"/>
           </a:p>
@@ -1988,7 +1988,7 @@
           <a:p>
             <a:fld id="{1EB31AE5-1B8F-5848-93B8-66F20C8DE389}" type="datetimeFigureOut">
               <a:rPr lang="en-US" smtClean="0"/>
-              <a:t>5/3/12</a:t>
+              <a:t>5/30/12</a:t>
             </a:fld>
             <a:endParaRPr lang="en-US"/>
           </a:p>
@@ -2265,7 +2265,7 @@
           <a:p>
             <a:fld id="{1EB31AE5-1B8F-5848-93B8-66F20C8DE389}" type="datetimeFigureOut">
               <a:rPr lang="en-US" smtClean="0"/>
-              <a:t>5/3/12</a:t>
+              <a:t>5/30/12</a:t>
             </a:fld>
             <a:endParaRPr lang="en-US"/>
           </a:p>
@@ -2518,7 +2518,7 @@
           <a:p>
             <a:fld id="{1EB31AE5-1B8F-5848-93B8-66F20C8DE389}" type="datetimeFigureOut">
               <a:rPr lang="en-US" smtClean="0"/>
-              <a:t>5/3/12</a:t>
+              <a:t>5/30/12</a:t>
             </a:fld>
             <a:endParaRPr lang="en-US"/>
           </a:p>
@@ -2731,7 +2731,7 @@
           <a:p>
             <a:fld id="{1EB31AE5-1B8F-5848-93B8-66F20C8DE389}" type="datetimeFigureOut">
               <a:rPr lang="en-US" smtClean="0"/>
-              <a:t>5/3/12</a:t>
+              <a:t>5/30/12</a:t>
             </a:fld>
             <a:endParaRPr lang="en-US"/>
           </a:p>
@@ -3114,7 +3114,7 @@
         </p:nvGrpSpPr>
         <p:grpSpPr>
           <a:xfrm>
-            <a:off x="7416800" y="5321294"/>
+            <a:off x="7417857" y="4999567"/>
             <a:ext cx="2298700" cy="952500"/>
             <a:chOff x="4191000" y="2908300"/>
             <a:chExt cx="2298700" cy="952500"/>
@@ -3214,7 +3214,7 @@
         </p:nvGrpSpPr>
         <p:grpSpPr>
           <a:xfrm>
-            <a:off x="7382933" y="3459865"/>
+            <a:off x="7396689" y="3290535"/>
             <a:ext cx="2341036" cy="952500"/>
             <a:chOff x="4157133" y="2908300"/>
             <a:chExt cx="2341036" cy="952500"/>
@@ -3417,18 +3417,19 @@
         </p:nvCxnSpPr>
         <p:spPr>
           <a:xfrm>
-            <a:off x="8564031" y="4555068"/>
+            <a:off x="8567207" y="4244765"/>
             <a:ext cx="0" cy="732713"/>
           </a:xfrm>
           <a:prstGeom prst="straightConnector1">
             <a:avLst/>
           </a:prstGeom>
-          <a:ln w="50800">
+          <a:ln w="60325">
             <a:solidFill>
               <a:schemeClr val="tx1"/>
             </a:solidFill>
             <a:tailEnd type="triangle" w="lg" len="med"/>
           </a:ln>
+          <a:effectLst/>
         </p:spPr>
         <p:style>
           <a:lnRef idx="2">
@@ -3453,7 +3454,7 @@
         </p:nvSpPr>
         <p:spPr>
           <a:xfrm>
-            <a:off x="9819803" y="7181809"/>
+            <a:off x="9753597" y="10133376"/>
             <a:ext cx="4104579" cy="923330"/>
           </a:xfrm>
           <a:prstGeom prst="rect">
@@ -3557,7 +3558,7 @@
         </p:nvSpPr>
         <p:spPr>
           <a:xfrm>
-            <a:off x="9753597" y="3434980"/>
+            <a:off x="9753597" y="3265650"/>
             <a:ext cx="3640670" cy="923330"/>
           </a:xfrm>
           <a:prstGeom prst="rect">
@@ -3576,20 +3577,12 @@
               <a:t>Determines PD contributions for taxa present in </a:t>
             </a:r>
             <a:r>
-              <a:rPr lang="en-US" sz="1800" dirty="0" err="1" smtClean="0"/>
-              <a:t>concatentated</a:t>
-            </a:r>
-            <a:r>
               <a:rPr lang="en-US" sz="1800" dirty="0" smtClean="0"/>
-              <a:t> guide tree in </a:t>
-            </a:r>
-            <a:r>
-              <a:rPr lang="en-US" sz="1800" dirty="0" err="1" smtClean="0"/>
-              <a:t>PhyloSift</a:t>
+              <a:t>concatenated </a:t>
             </a:r>
             <a:r>
               <a:rPr lang="en-US" sz="1800" dirty="0" smtClean="0"/>
-              <a:t> marker directory</a:t>
+              <a:t>guide tree in PhyloSift marker directory</a:t>
             </a:r>
             <a:endParaRPr lang="en-US" sz="1800" dirty="0"/>
           </a:p>
@@ -3603,8 +3596,8 @@
         </p:nvSpPr>
         <p:spPr>
           <a:xfrm>
-            <a:off x="9850784" y="5135384"/>
-            <a:ext cx="4694949" cy="1477328"/>
+            <a:off x="9753597" y="4813657"/>
+            <a:ext cx="4694949" cy="1200329"/>
           </a:xfrm>
           <a:prstGeom prst="rect">
             <a:avLst/>
@@ -3628,7 +3621,7 @@
             </a:pPr>
             <a:r>
               <a:rPr lang="en-US" sz="1800" dirty="0" smtClean="0"/>
-              <a:t>Select a set of taxa that contribute to PD (user input, default = 10)</a:t>
+              <a:t>Select some number of taxa that contribute to PD (user input, default = 10 taxa)</a:t>
             </a:r>
           </a:p>
           <a:p>
@@ -3637,7 +3630,7 @@
             </a:pPr>
             <a:r>
               <a:rPr lang="en-US" sz="1800" dirty="0" smtClean="0"/>
-              <a:t>Same number of taxa are randomly select taxa across PD list</a:t>
+              <a:t>Sample taxa uniformly without replacement</a:t>
             </a:r>
             <a:endParaRPr lang="en-US" sz="1800" dirty="0"/>
           </a:p>
@@ -3651,7 +3644,7 @@
         </p:nvGrpSpPr>
         <p:grpSpPr>
           <a:xfrm>
-            <a:off x="7454900" y="7144089"/>
+            <a:off x="7417857" y="8430997"/>
             <a:ext cx="2298700" cy="952500"/>
             <a:chOff x="4191000" y="2908300"/>
             <a:chExt cx="2298700" cy="952500"/>
@@ -3733,7 +3726,7 @@
                   <a:latin typeface="Helvetica Neue"/>
                   <a:cs typeface="Helvetica Neue"/>
                 </a:rPr>
-                <a:t>Generate Simulated Reads</a:t>
+                <a:t>Knockout Swaths of Taxa</a:t>
               </a:r>
               <a:endParaRPr lang="en-US" sz="2000" dirty="0">
                 <a:latin typeface="Helvetica Neue"/>
@@ -3751,18 +3744,19 @@
         </p:nvCxnSpPr>
         <p:spPr>
           <a:xfrm>
-            <a:off x="8602131" y="6377863"/>
+            <a:off x="8567207" y="5952067"/>
             <a:ext cx="0" cy="732713"/>
           </a:xfrm>
           <a:prstGeom prst="straightConnector1">
             <a:avLst/>
           </a:prstGeom>
-          <a:ln w="50800">
+          <a:ln w="60325">
             <a:solidFill>
               <a:schemeClr val="tx1"/>
             </a:solidFill>
             <a:tailEnd type="triangle" w="lg" len="med"/>
           </a:ln>
+          <a:effectLst/>
         </p:spPr>
         <p:style>
           <a:lnRef idx="2">
@@ -3787,7 +3781,7 @@
         </p:nvGrpSpPr>
         <p:grpSpPr>
           <a:xfrm>
-            <a:off x="7486647" y="8998865"/>
+            <a:off x="7417857" y="10133376"/>
             <a:ext cx="2298700" cy="952500"/>
             <a:chOff x="4191000" y="2908300"/>
             <a:chExt cx="2298700" cy="952500"/>
@@ -3849,8 +3843,8 @@
           </p:nvSpPr>
           <p:spPr>
             <a:xfrm>
-              <a:off x="4356097" y="3040900"/>
-              <a:ext cx="2032000" cy="707886"/>
+              <a:off x="4286250" y="3007034"/>
+              <a:ext cx="2135713" cy="707886"/>
             </a:xfrm>
             <a:prstGeom prst="rect">
               <a:avLst/>
@@ -3869,7 +3863,7 @@
                   <a:latin typeface="Helvetica Neue"/>
                   <a:cs typeface="Helvetica Neue"/>
                 </a:rPr>
-                <a:t>Mask Simulated Taxa</a:t>
+                <a:t>Generated Simulated Reads</a:t>
               </a:r>
               <a:endParaRPr lang="en-US" sz="2000" dirty="0">
                 <a:latin typeface="Helvetica Neue"/>
@@ -3887,18 +3881,19 @@
         </p:nvCxnSpPr>
         <p:spPr>
           <a:xfrm>
-            <a:off x="8633878" y="8232639"/>
+            <a:off x="8567207" y="9375114"/>
             <a:ext cx="0" cy="732713"/>
           </a:xfrm>
           <a:prstGeom prst="straightConnector1">
             <a:avLst/>
           </a:prstGeom>
-          <a:ln w="50800">
+          <a:ln w="60325">
             <a:solidFill>
               <a:schemeClr val="tx1"/>
             </a:solidFill>
             <a:tailEnd type="triangle" w="lg" len="med"/>
           </a:ln>
+          <a:effectLst/>
         </p:spPr>
         <p:style>
           <a:lnRef idx="2">
@@ -3923,7 +3918,7 @@
         </p:nvGrpSpPr>
         <p:grpSpPr>
           <a:xfrm>
-            <a:off x="7509934" y="10811935"/>
+            <a:off x="7417857" y="11827915"/>
             <a:ext cx="2298700" cy="952500"/>
             <a:chOff x="4191000" y="2908300"/>
             <a:chExt cx="2298700" cy="952500"/>
@@ -3985,8 +3980,8 @@
           </p:nvSpPr>
           <p:spPr>
             <a:xfrm>
-              <a:off x="4339164" y="3023967"/>
-              <a:ext cx="2032000" cy="707886"/>
+              <a:off x="4252381" y="3007034"/>
+              <a:ext cx="2135716" cy="707886"/>
             </a:xfrm>
             <a:prstGeom prst="rect">
               <a:avLst/>
@@ -4005,7 +4000,7 @@
                   <a:latin typeface="Helvetica Neue"/>
                   <a:cs typeface="Helvetica Neue"/>
                 </a:rPr>
-                <a:t>Cloned Marker Directory</a:t>
+                <a:t>Simulation Marker Directory</a:t>
               </a:r>
               <a:endParaRPr lang="en-US" sz="2000" dirty="0">
                 <a:latin typeface="Helvetica Neue"/>
@@ -4023,18 +4018,19 @@
         </p:nvCxnSpPr>
         <p:spPr>
           <a:xfrm>
-            <a:off x="8657165" y="10045709"/>
+            <a:off x="8567207" y="11073639"/>
             <a:ext cx="0" cy="732713"/>
           </a:xfrm>
           <a:prstGeom prst="straightConnector1">
             <a:avLst/>
           </a:prstGeom>
-          <a:ln w="50800">
+          <a:ln w="60325">
             <a:solidFill>
               <a:schemeClr val="tx1"/>
             </a:solidFill>
             <a:tailEnd type="triangle" w="lg" len="med"/>
           </a:ln>
+          <a:effectLst/>
         </p:spPr>
         <p:style>
           <a:lnRef idx="2">
@@ -4059,7 +4055,61 @@
         </p:nvSpPr>
         <p:spPr>
           <a:xfrm>
-            <a:off x="9785347" y="8998231"/>
+            <a:off x="9753597" y="8434851"/>
+            <a:ext cx="4017616" cy="1200329"/>
+          </a:xfrm>
+          <a:prstGeom prst="rect">
+            <a:avLst/>
+          </a:prstGeom>
+          <a:noFill/>
+        </p:spPr>
+        <p:txBody>
+          <a:bodyPr wrap="square" rtlCol="0">
+            <a:spAutoFit/>
+          </a:bodyPr>
+          <a:lstStyle/>
+          <a:p>
+            <a:r>
+              <a:rPr lang="en-US" sz="1800" dirty="0" smtClean="0"/>
+              <a:t>Workflow plugs into </a:t>
+            </a:r>
+            <a:r>
+              <a:rPr lang="en-US" sz="1800" dirty="0" err="1" smtClean="0"/>
+              <a:t>updateDB</a:t>
+            </a:r>
+            <a:r>
+              <a:rPr lang="en-US" sz="1800" dirty="0" smtClean="0"/>
+              <a:t> to remove genomes which have been used to simulate </a:t>
+            </a:r>
+            <a:r>
+              <a:rPr lang="en-US" sz="1800" dirty="0" err="1" smtClean="0"/>
+              <a:t>metagenome</a:t>
+            </a:r>
+            <a:r>
+              <a:rPr lang="en-US" sz="1800" dirty="0" smtClean="0"/>
+              <a:t> </a:t>
+            </a:r>
+            <a:r>
+              <a:rPr lang="en-US" sz="1800" dirty="0" smtClean="0"/>
+              <a:t>data</a:t>
+            </a:r>
+            <a:r>
+              <a:rPr lang="en-US" sz="1800" dirty="0" smtClean="0"/>
+              <a:t>, as well as a swath of related taxa.</a:t>
+            </a:r>
+            <a:endParaRPr lang="en-US" sz="1800" dirty="0" smtClean="0"/>
+          </a:p>
+        </p:txBody>
+      </p:sp>
+      <p:sp>
+        <p:nvSpPr>
+          <p:cNvPr id="65" name="TextBox 64"/>
+          <p:cNvSpPr txBox="1"/>
+          <p:nvPr/>
+        </p:nvSpPr>
+        <p:spPr>
+          <a:xfrm>
+            <a:off x="9753597" y="11833870"/>
             <a:ext cx="4017616" cy="923330"/>
           </a:xfrm>
           <a:prstGeom prst="rect">
@@ -4075,52 +4125,7 @@
           <a:p>
             <a:r>
               <a:rPr lang="en-US" sz="1800" dirty="0" smtClean="0"/>
-              <a:t>Workflow plugs into </a:t>
-            </a:r>
-            <a:r>
-              <a:rPr lang="en-US" sz="1800" dirty="0" err="1" smtClean="0"/>
-              <a:t>updateDB</a:t>
-            </a:r>
-            <a:r>
-              <a:rPr lang="en-US" sz="1800" dirty="0" smtClean="0"/>
-              <a:t> to mask genomes which have been used to simulate </a:t>
-            </a:r>
-            <a:r>
-              <a:rPr lang="en-US" sz="1800" dirty="0" err="1" smtClean="0"/>
-              <a:t>metagenome</a:t>
-            </a:r>
-            <a:r>
-              <a:rPr lang="en-US" sz="1800" dirty="0" smtClean="0"/>
-              <a:t> data. </a:t>
-            </a:r>
-          </a:p>
-        </p:txBody>
-      </p:sp>
-      <p:sp>
-        <p:nvSpPr>
-          <p:cNvPr id="65" name="TextBox 64"/>
-          <p:cNvSpPr txBox="1"/>
-          <p:nvPr/>
-        </p:nvSpPr>
-        <p:spPr>
-          <a:xfrm>
-            <a:off x="9872900" y="10767091"/>
-            <a:ext cx="4017616" cy="923330"/>
-          </a:xfrm>
-          <a:prstGeom prst="rect">
-            <a:avLst/>
-          </a:prstGeom>
-          <a:noFill/>
-        </p:spPr>
-        <p:txBody>
-          <a:bodyPr wrap="square" rtlCol="0">
-            <a:spAutoFit/>
-          </a:bodyPr>
-          <a:lstStyle/>
-          <a:p>
-            <a:r>
-              <a:rPr lang="en-US" sz="1800" dirty="0" smtClean="0"/>
-              <a:t>A cloned marker directory is created, where simulated genomes have been removed from marker packages. </a:t>
+              <a:t>A new marker directory is created, where simulated genomes have been knocked out from marker packages. </a:t>
             </a:r>
           </a:p>
         </p:txBody>
@@ -4128,23 +4133,27 @@
       <p:cxnSp>
         <p:nvCxnSpPr>
           <p:cNvPr id="42" name="Straight Arrow Connector 41"/>
-          <p:cNvCxnSpPr/>
+          <p:cNvCxnSpPr>
+            <a:stCxn id="29" idx="2"/>
+            <a:endCxn id="19" idx="0"/>
+          </p:cNvCxnSpPr>
           <p:nvPr/>
         </p:nvCxnSpPr>
         <p:spPr>
           <a:xfrm>
-            <a:off x="8559795" y="2659823"/>
-            <a:ext cx="0" cy="732713"/>
+            <a:off x="8573452" y="2524359"/>
+            <a:ext cx="6454" cy="766176"/>
           </a:xfrm>
           <a:prstGeom prst="straightConnector1">
             <a:avLst/>
           </a:prstGeom>
-          <a:ln w="50800">
+          <a:ln w="60325">
             <a:solidFill>
               <a:schemeClr val="tx1"/>
             </a:solidFill>
             <a:tailEnd type="triangle" w="lg" len="med"/>
           </a:ln>
+          <a:effectLst/>
         </p:spPr>
         <p:style>
           <a:lnRef idx="2">
@@ -4183,7 +4192,7 @@
         </p:blipFill>
         <p:spPr>
           <a:xfrm>
-            <a:off x="2264834" y="4412365"/>
+            <a:off x="2264834" y="4414095"/>
             <a:ext cx="4776838" cy="4931838"/>
           </a:xfrm>
           <a:prstGeom prst="rect">
@@ -4191,6 +4200,173 @@
           </a:prstGeom>
         </p:spPr>
       </p:pic>
+      <p:grpSp>
+        <p:nvGrpSpPr>
+          <p:cNvPr id="32" name="Group 31"/>
+          <p:cNvGrpSpPr/>
+          <p:nvPr/>
+        </p:nvGrpSpPr>
+        <p:grpSpPr>
+          <a:xfrm>
+            <a:off x="7417857" y="6704184"/>
+            <a:ext cx="2298700" cy="952500"/>
+            <a:chOff x="4191000" y="2908300"/>
+            <a:chExt cx="2298700" cy="952500"/>
+          </a:xfrm>
+        </p:grpSpPr>
+        <p:sp>
+          <p:nvSpPr>
+            <p:cNvPr id="33" name="Rounded Rectangle 32"/>
+            <p:cNvSpPr/>
+            <p:nvPr/>
+          </p:nvSpPr>
+          <p:spPr>
+            <a:xfrm>
+              <a:off x="4191000" y="2908300"/>
+              <a:ext cx="2298700" cy="952500"/>
+            </a:xfrm>
+            <a:prstGeom prst="roundRect">
+              <a:avLst/>
+            </a:prstGeom>
+            <a:noFill/>
+            <a:ln>
+              <a:solidFill>
+                <a:schemeClr val="tx1"/>
+              </a:solidFill>
+            </a:ln>
+            <a:effectLst/>
+          </p:spPr>
+          <p:style>
+            <a:lnRef idx="1">
+              <a:schemeClr val="accent1"/>
+            </a:lnRef>
+            <a:fillRef idx="3">
+              <a:schemeClr val="accent1"/>
+            </a:fillRef>
+            <a:effectRef idx="2">
+              <a:schemeClr val="accent1"/>
+            </a:effectRef>
+            <a:fontRef idx="minor">
+              <a:schemeClr val="lt1"/>
+            </a:fontRef>
+          </p:style>
+          <p:txBody>
+            <a:bodyPr rtlCol="0" anchor="ctr"/>
+            <a:lstStyle/>
+            <a:p>
+              <a:pPr algn="ctr"/>
+              <a:endParaRPr lang="en-US">
+                <a:latin typeface="Georgia"/>
+                <a:cs typeface="Georgia"/>
+              </a:endParaRPr>
+            </a:p>
+          </p:txBody>
+        </p:sp>
+        <p:sp>
+          <p:nvSpPr>
+            <p:cNvPr id="34" name="TextBox 33"/>
+            <p:cNvSpPr txBox="1"/>
+            <p:nvPr/>
+          </p:nvSpPr>
+          <p:spPr>
+            <a:xfrm>
+              <a:off x="4290482" y="2912154"/>
+              <a:ext cx="2161118" cy="923330"/>
+            </a:xfrm>
+            <a:prstGeom prst="rect">
+              <a:avLst/>
+            </a:prstGeom>
+            <a:noFill/>
+          </p:spPr>
+          <p:txBody>
+            <a:bodyPr wrap="square" rtlCol="0">
+              <a:spAutoFit/>
+            </a:bodyPr>
+            <a:lstStyle/>
+            <a:p>
+              <a:pPr algn="ctr"/>
+              <a:r>
+                <a:rPr lang="en-US" sz="1800" dirty="0" smtClean="0">
+                  <a:latin typeface="Helvetica Neue"/>
+                  <a:cs typeface="Helvetica Neue"/>
+                </a:rPr>
+                <a:t>Compute metrics between target and remaining taxa</a:t>
+              </a:r>
+              <a:endParaRPr lang="en-US" sz="1800" dirty="0">
+                <a:latin typeface="Helvetica Neue"/>
+                <a:cs typeface="Helvetica Neue"/>
+              </a:endParaRPr>
+            </a:p>
+          </p:txBody>
+        </p:sp>
+      </p:grpSp>
+      <p:cxnSp>
+        <p:nvCxnSpPr>
+          <p:cNvPr id="35" name="Straight Arrow Connector 34"/>
+          <p:cNvCxnSpPr/>
+          <p:nvPr/>
+        </p:nvCxnSpPr>
+        <p:spPr>
+          <a:xfrm>
+            <a:off x="8567207" y="7656684"/>
+            <a:ext cx="0" cy="732713"/>
+          </a:xfrm>
+          <a:prstGeom prst="straightConnector1">
+            <a:avLst/>
+          </a:prstGeom>
+          <a:ln w="60325">
+            <a:solidFill>
+              <a:schemeClr val="tx1"/>
+            </a:solidFill>
+            <a:tailEnd type="triangle" w="lg" len="med"/>
+          </a:ln>
+          <a:effectLst/>
+        </p:spPr>
+        <p:style>
+          <a:lnRef idx="2">
+            <a:schemeClr val="accent1"/>
+          </a:lnRef>
+          <a:fillRef idx="0">
+            <a:schemeClr val="accent1"/>
+          </a:fillRef>
+          <a:effectRef idx="1">
+            <a:schemeClr val="accent1"/>
+          </a:effectRef>
+          <a:fontRef idx="minor">
+            <a:schemeClr val="tx1"/>
+          </a:fontRef>
+        </p:style>
+      </p:cxnSp>
+      <p:sp>
+        <p:nvSpPr>
+          <p:cNvPr id="36" name="TextBox 35"/>
+          <p:cNvSpPr txBox="1"/>
+          <p:nvPr/>
+        </p:nvSpPr>
+        <p:spPr>
+          <a:xfrm>
+            <a:off x="9753597" y="6657239"/>
+            <a:ext cx="4418833" cy="1200329"/>
+          </a:xfrm>
+          <a:prstGeom prst="rect">
+            <a:avLst/>
+          </a:prstGeom>
+          <a:noFill/>
+        </p:spPr>
+        <p:txBody>
+          <a:bodyPr wrap="square" rtlCol="0">
+            <a:spAutoFit/>
+          </a:bodyPr>
+          <a:lstStyle/>
+          <a:p>
+            <a:r>
+              <a:rPr lang="en-US" sz="1800" dirty="0" smtClean="0"/>
+              <a:t>Calculated metrics include: the distance to nearest neighbors, connecting branch lengths, and the number of sampled nodes within various PD units of connecting nodes.</a:t>
+            </a:r>
+            <a:endParaRPr lang="en-US" sz="1800" dirty="0" smtClean="0"/>
+          </a:p>
+        </p:txBody>
+      </p:sp>
     </p:spTree>
     <p:extLst>
       <p:ext uri="{BB962C8B-B14F-4D97-AF65-F5344CB8AC3E}">

--- a/writing/figures/Phylosift_Kangaroo.pptx
+++ b/writing/figures/Phylosift_Kangaroo.pptx
@@ -294,7 +294,7 @@
           <a:p>
             <a:fld id="{1EB31AE5-1B8F-5848-93B8-66F20C8DE389}" type="datetimeFigureOut">
               <a:rPr lang="en-US" smtClean="0"/>
-              <a:t>5/30/12</a:t>
+              <a:t>11/26/12</a:t>
             </a:fld>
             <a:endParaRPr lang="en-US"/>
           </a:p>
@@ -464,7 +464,7 @@
           <a:p>
             <a:fld id="{1EB31AE5-1B8F-5848-93B8-66F20C8DE389}" type="datetimeFigureOut">
               <a:rPr lang="en-US" smtClean="0"/>
-              <a:t>5/30/12</a:t>
+              <a:t>11/26/12</a:t>
             </a:fld>
             <a:endParaRPr lang="en-US"/>
           </a:p>
@@ -644,7 +644,7 @@
           <a:p>
             <a:fld id="{1EB31AE5-1B8F-5848-93B8-66F20C8DE389}" type="datetimeFigureOut">
               <a:rPr lang="en-US" smtClean="0"/>
-              <a:t>5/30/12</a:t>
+              <a:t>11/26/12</a:t>
             </a:fld>
             <a:endParaRPr lang="en-US"/>
           </a:p>
@@ -814,7 +814,7 @@
           <a:p>
             <a:fld id="{1EB31AE5-1B8F-5848-93B8-66F20C8DE389}" type="datetimeFigureOut">
               <a:rPr lang="en-US" smtClean="0"/>
-              <a:t>5/30/12</a:t>
+              <a:t>11/26/12</a:t>
             </a:fld>
             <a:endParaRPr lang="en-US"/>
           </a:p>
@@ -1060,7 +1060,7 @@
           <a:p>
             <a:fld id="{1EB31AE5-1B8F-5848-93B8-66F20C8DE389}" type="datetimeFigureOut">
               <a:rPr lang="en-US" smtClean="0"/>
-              <a:t>5/30/12</a:t>
+              <a:t>11/26/12</a:t>
             </a:fld>
             <a:endParaRPr lang="en-US"/>
           </a:p>
@@ -1348,7 +1348,7 @@
           <a:p>
             <a:fld id="{1EB31AE5-1B8F-5848-93B8-66F20C8DE389}" type="datetimeFigureOut">
               <a:rPr lang="en-US" smtClean="0"/>
-              <a:t>5/30/12</a:t>
+              <a:t>11/26/12</a:t>
             </a:fld>
             <a:endParaRPr lang="en-US"/>
           </a:p>
@@ -1775,7 +1775,7 @@
           <a:p>
             <a:fld id="{1EB31AE5-1B8F-5848-93B8-66F20C8DE389}" type="datetimeFigureOut">
               <a:rPr lang="en-US" smtClean="0"/>
-              <a:t>5/30/12</a:t>
+              <a:t>11/26/12</a:t>
             </a:fld>
             <a:endParaRPr lang="en-US"/>
           </a:p>
@@ -1893,7 +1893,7 @@
           <a:p>
             <a:fld id="{1EB31AE5-1B8F-5848-93B8-66F20C8DE389}" type="datetimeFigureOut">
               <a:rPr lang="en-US" smtClean="0"/>
-              <a:t>5/30/12</a:t>
+              <a:t>11/26/12</a:t>
             </a:fld>
             <a:endParaRPr lang="en-US"/>
           </a:p>
@@ -1988,7 +1988,7 @@
           <a:p>
             <a:fld id="{1EB31AE5-1B8F-5848-93B8-66F20C8DE389}" type="datetimeFigureOut">
               <a:rPr lang="en-US" smtClean="0"/>
-              <a:t>5/30/12</a:t>
+              <a:t>11/26/12</a:t>
             </a:fld>
             <a:endParaRPr lang="en-US"/>
           </a:p>
@@ -2265,7 +2265,7 @@
           <a:p>
             <a:fld id="{1EB31AE5-1B8F-5848-93B8-66F20C8DE389}" type="datetimeFigureOut">
               <a:rPr lang="en-US" smtClean="0"/>
-              <a:t>5/30/12</a:t>
+              <a:t>11/26/12</a:t>
             </a:fld>
             <a:endParaRPr lang="en-US"/>
           </a:p>
@@ -2518,7 +2518,7 @@
           <a:p>
             <a:fld id="{1EB31AE5-1B8F-5848-93B8-66F20C8DE389}" type="datetimeFigureOut">
               <a:rPr lang="en-US" smtClean="0"/>
-              <a:t>5/30/12</a:t>
+              <a:t>11/26/12</a:t>
             </a:fld>
             <a:endParaRPr lang="en-US"/>
           </a:p>
@@ -2731,7 +2731,7 @@
           <a:p>
             <a:fld id="{1EB31AE5-1B8F-5848-93B8-66F20C8DE389}" type="datetimeFigureOut">
               <a:rPr lang="en-US" smtClean="0"/>
-              <a:t>5/30/12</a:t>
+              <a:t>11/26/12</a:t>
             </a:fld>
             <a:endParaRPr lang="en-US"/>
           </a:p>
@@ -3507,11 +3507,11 @@
           <a:lstStyle/>
           <a:p>
             <a:r>
-              <a:rPr lang="en-US" sz="2400" dirty="0" smtClean="0"/>
+              <a:rPr lang="en-US" sz="2400" smtClean="0"/>
               <a:t>Execute</a:t>
             </a:r>
             <a:r>
-              <a:rPr lang="en-US" sz="2400" dirty="0" smtClean="0">
+              <a:rPr lang="en-US" sz="2400" smtClean="0">
                 <a:solidFill>
                   <a:srgbClr val="CA1E00"/>
                 </a:solidFill>
@@ -3519,20 +3519,12 @@
               <a:t> </a:t>
             </a:r>
             <a:r>
-              <a:rPr lang="en-US" sz="2400" dirty="0" err="1" smtClean="0">
+              <a:rPr lang="en-US" sz="2400" smtClean="0">
                 <a:solidFill>
                   <a:srgbClr val="CA1E00"/>
                 </a:solidFill>
               </a:rPr>
-              <a:t>sim</a:t>
-            </a:r>
-            <a:r>
-              <a:rPr lang="en-US" sz="2400" dirty="0" smtClean="0">
-                <a:solidFill>
-                  <a:srgbClr val="CA1E00"/>
-                </a:solidFill>
-              </a:rPr>
-              <a:t> </a:t>
+              <a:t>simulate </a:t>
             </a:r>
             <a:r>
               <a:rPr lang="en-US" sz="2400" dirty="0" smtClean="0">
@@ -3574,15 +3566,7 @@
           <a:p>
             <a:r>
               <a:rPr lang="en-US" sz="1800" dirty="0" smtClean="0"/>
-              <a:t>Determines PD contributions for taxa present in </a:t>
-            </a:r>
-            <a:r>
-              <a:rPr lang="en-US" sz="1800" dirty="0" smtClean="0"/>
-              <a:t>concatenated </a:t>
-            </a:r>
-            <a:r>
-              <a:rPr lang="en-US" sz="1800" dirty="0" smtClean="0"/>
-              <a:t>guide tree in PhyloSift marker directory</a:t>
+              <a:t>Determines PD contributions for taxa present in concatenated guide tree in PhyloSift marker directory</a:t>
             </a:r>
             <a:endParaRPr lang="en-US" sz="1800" dirty="0"/>
           </a:p>
@@ -4087,17 +4071,8 @@
             </a:r>
             <a:r>
               <a:rPr lang="en-US" sz="1800" dirty="0" smtClean="0"/>
-              <a:t> </a:t>
-            </a:r>
-            <a:r>
-              <a:rPr lang="en-US" sz="1800" dirty="0" smtClean="0"/>
-              <a:t>data</a:t>
-            </a:r>
-            <a:r>
-              <a:rPr lang="en-US" sz="1800" dirty="0" smtClean="0"/>
-              <a:t>, as well as a swath of related taxa.</a:t>
-            </a:r>
-            <a:endParaRPr lang="en-US" sz="1800" dirty="0" smtClean="0"/>
+              <a:t> data, as well as a swath of related taxa.</a:t>
+            </a:r>
           </a:p>
         </p:txBody>
       </p:sp>
@@ -4363,7 +4338,6 @@
               <a:rPr lang="en-US" sz="1800" dirty="0" smtClean="0"/>
               <a:t>Calculated metrics include: the distance to nearest neighbors, connecting branch lengths, and the number of sampled nodes within various PD units of connecting nodes.</a:t>
             </a:r>
-            <a:endParaRPr lang="en-US" sz="1800" dirty="0" smtClean="0"/>
           </a:p>
         </p:txBody>
       </p:sp>
